--- a/Apresentação - Projeto 2.pptx
+++ b/Apresentação - Projeto 2.pptx
@@ -3105,9 +3105,10 @@
           </a:p>
           <a:p>
             <a:r>
-              <a:rPr lang="pt-BR" dirty="0"/>
-              <a:t>Vitor </a:t>
-            </a:r>
+              <a:rPr lang="pt-BR"/>
+              <a:t>Vitor Vinicius</a:t>
+            </a:r>
+            <a:endParaRPr lang="pt-BR" dirty="0"/>
           </a:p>
         </p:txBody>
       </p:sp>

--- a/Apresentação - Projeto 2.pptx
+++ b/Apresentação - Projeto 2.pptx
@@ -284,7 +284,7 @@
           <a:p>
             <a:fld id="{10FE5BFE-EBFF-4D6E-8C56-06511E61A9FB}" type="datetimeFigureOut">
               <a:rPr lang="pt-BR" smtClean="0"/>
-              <a:t>18/10/2017</a:t>
+              <a:t>20/10/2017</a:t>
             </a:fld>
             <a:endParaRPr lang="pt-BR"/>
           </a:p>
@@ -454,7 +454,7 @@
           <a:p>
             <a:fld id="{10FE5BFE-EBFF-4D6E-8C56-06511E61A9FB}" type="datetimeFigureOut">
               <a:rPr lang="pt-BR" smtClean="0"/>
-              <a:t>18/10/2017</a:t>
+              <a:t>20/10/2017</a:t>
             </a:fld>
             <a:endParaRPr lang="pt-BR"/>
           </a:p>
@@ -634,7 +634,7 @@
           <a:p>
             <a:fld id="{10FE5BFE-EBFF-4D6E-8C56-06511E61A9FB}" type="datetimeFigureOut">
               <a:rPr lang="pt-BR" smtClean="0"/>
-              <a:t>18/10/2017</a:t>
+              <a:t>20/10/2017</a:t>
             </a:fld>
             <a:endParaRPr lang="pt-BR"/>
           </a:p>
@@ -804,7 +804,7 @@
           <a:p>
             <a:fld id="{10FE5BFE-EBFF-4D6E-8C56-06511E61A9FB}" type="datetimeFigureOut">
               <a:rPr lang="pt-BR" smtClean="0"/>
-              <a:t>18/10/2017</a:t>
+              <a:t>20/10/2017</a:t>
             </a:fld>
             <a:endParaRPr lang="pt-BR"/>
           </a:p>
@@ -1048,7 +1048,7 @@
           <a:p>
             <a:fld id="{10FE5BFE-EBFF-4D6E-8C56-06511E61A9FB}" type="datetimeFigureOut">
               <a:rPr lang="pt-BR" smtClean="0"/>
-              <a:t>18/10/2017</a:t>
+              <a:t>20/10/2017</a:t>
             </a:fld>
             <a:endParaRPr lang="pt-BR"/>
           </a:p>
@@ -1280,7 +1280,7 @@
           <a:p>
             <a:fld id="{10FE5BFE-EBFF-4D6E-8C56-06511E61A9FB}" type="datetimeFigureOut">
               <a:rPr lang="pt-BR" smtClean="0"/>
-              <a:t>18/10/2017</a:t>
+              <a:t>20/10/2017</a:t>
             </a:fld>
             <a:endParaRPr lang="pt-BR"/>
           </a:p>
@@ -1647,7 +1647,7 @@
           <a:p>
             <a:fld id="{10FE5BFE-EBFF-4D6E-8C56-06511E61A9FB}" type="datetimeFigureOut">
               <a:rPr lang="pt-BR" smtClean="0"/>
-              <a:t>18/10/2017</a:t>
+              <a:t>20/10/2017</a:t>
             </a:fld>
             <a:endParaRPr lang="pt-BR"/>
           </a:p>
@@ -1765,7 +1765,7 @@
           <a:p>
             <a:fld id="{10FE5BFE-EBFF-4D6E-8C56-06511E61A9FB}" type="datetimeFigureOut">
               <a:rPr lang="pt-BR" smtClean="0"/>
-              <a:t>18/10/2017</a:t>
+              <a:t>20/10/2017</a:t>
             </a:fld>
             <a:endParaRPr lang="pt-BR"/>
           </a:p>
@@ -1860,7 +1860,7 @@
           <a:p>
             <a:fld id="{10FE5BFE-EBFF-4D6E-8C56-06511E61A9FB}" type="datetimeFigureOut">
               <a:rPr lang="pt-BR" smtClean="0"/>
-              <a:t>18/10/2017</a:t>
+              <a:t>20/10/2017</a:t>
             </a:fld>
             <a:endParaRPr lang="pt-BR"/>
           </a:p>
@@ -2137,7 +2137,7 @@
           <a:p>
             <a:fld id="{10FE5BFE-EBFF-4D6E-8C56-06511E61A9FB}" type="datetimeFigureOut">
               <a:rPr lang="pt-BR" smtClean="0"/>
-              <a:t>18/10/2017</a:t>
+              <a:t>20/10/2017</a:t>
             </a:fld>
             <a:endParaRPr lang="pt-BR"/>
           </a:p>
@@ -2394,7 +2394,7 @@
           <a:p>
             <a:fld id="{10FE5BFE-EBFF-4D6E-8C56-06511E61A9FB}" type="datetimeFigureOut">
               <a:rPr lang="pt-BR" smtClean="0"/>
-              <a:t>18/10/2017</a:t>
+              <a:t>20/10/2017</a:t>
             </a:fld>
             <a:endParaRPr lang="pt-BR"/>
           </a:p>
@@ -2616,7 +2616,7 @@
           <a:p>
             <a:fld id="{10FE5BFE-EBFF-4D6E-8C56-06511E61A9FB}" type="datetimeFigureOut">
               <a:rPr lang="pt-BR" smtClean="0"/>
-              <a:t>18/10/2017</a:t>
+              <a:t>20/10/2017</a:t>
             </a:fld>
             <a:endParaRPr lang="pt-BR"/>
           </a:p>
@@ -3509,7 +3509,7 @@
         </p:nvSpPr>
         <p:spPr>
           <a:xfrm>
-            <a:off x="772342" y="2585811"/>
+            <a:off x="362299" y="1815103"/>
             <a:ext cx="7886700" cy="1325563"/>
           </a:xfrm>
         </p:spPr>
@@ -3559,6 +3559,51 @@
           </a:xfrm>
         </p:spPr>
       </p:pic>
+      <p:sp>
+        <p:nvSpPr>
+          <p:cNvPr id="3" name="CaixaDeTexto 2">
+            <a:extLst>
+              <a:ext uri="{FF2B5EF4-FFF2-40B4-BE49-F238E27FC236}">
+                <a16:creationId xmlns:a16="http://schemas.microsoft.com/office/drawing/2014/main" id="{42C44B98-489A-4C11-8B9A-D51B9BA4D609}"/>
+              </a:ext>
+            </a:extLst>
+          </p:cNvPr>
+          <p:cNvSpPr txBox="1"/>
+          <p:nvPr/>
+        </p:nvSpPr>
+        <p:spPr>
+          <a:xfrm>
+            <a:off x="783771" y="3035968"/>
+            <a:ext cx="3391249" cy="830997"/>
+          </a:xfrm>
+          <a:prstGeom prst="rect">
+            <a:avLst/>
+          </a:prstGeom>
+          <a:noFill/>
+        </p:spPr>
+        <p:txBody>
+          <a:bodyPr wrap="none" rtlCol="0">
+            <a:spAutoFit/>
+          </a:bodyPr>
+          <a:lstStyle/>
+          <a:p>
+            <a:pPr marL="285750" indent="-285750">
+              <a:buFont typeface="Arial" panose="020B0604020202020204" pitchFamily="34" charset="0"/>
+              <a:buChar char="•"/>
+            </a:pPr>
+            <a:r>
+              <a:rPr lang="pt-BR" sz="2400" dirty="0"/>
+              <a:t>Dijkstra’s shortest path </a:t>
+            </a:r>
+          </a:p>
+          <a:p>
+            <a:r>
+              <a:rPr lang="pt-BR" sz="2400" dirty="0"/>
+              <a:t>algorithm</a:t>
+            </a:r>
+          </a:p>
+        </p:txBody>
+      </p:sp>
     </p:spTree>
     <p:extLst>
       <p:ext uri="{BB962C8B-B14F-4D97-AF65-F5344CB8AC3E}">
